--- a/Final_slides/E13.pptx
+++ b/Final_slides/E13.pptx
@@ -109,6 +109,11 @@
       </a:defRPr>
     </a:lvl9pPr>
   </p:defaultTextStyle>
+  <p:extLst>
+    <p:ext uri="{EFAFB233-063F-42B5-8137-9DF3F51BA10A}">
+      <p15:sldGuideLst xmlns:p15="http://schemas.microsoft.com/office/powerpoint/2012/main"/>
+    </p:ext>
+  </p:extLst>
 </p:presentation>
 </file>
 
@@ -287,7 +292,7 @@
           <a:p>
             <a:fld id="{6B098587-3B79-4B4D-A1E8-D0109A04B125}" type="datetimeFigureOut">
               <a:rPr lang="en-GB" smtClean="0"/>
-              <a:t>01/01/2024</a:t>
+              <a:t>02/01/2024</a:t>
             </a:fld>
             <a:endParaRPr lang="en-GB"/>
           </a:p>
@@ -485,7 +490,7 @@
           <a:p>
             <a:fld id="{6B098587-3B79-4B4D-A1E8-D0109A04B125}" type="datetimeFigureOut">
               <a:rPr lang="en-GB" smtClean="0"/>
-              <a:t>01/01/2024</a:t>
+              <a:t>02/01/2024</a:t>
             </a:fld>
             <a:endParaRPr lang="en-GB"/>
           </a:p>
@@ -693,7 +698,7 @@
           <a:p>
             <a:fld id="{6B098587-3B79-4B4D-A1E8-D0109A04B125}" type="datetimeFigureOut">
               <a:rPr lang="en-GB" smtClean="0"/>
-              <a:t>01/01/2024</a:t>
+              <a:t>02/01/2024</a:t>
             </a:fld>
             <a:endParaRPr lang="en-GB"/>
           </a:p>
@@ -891,7 +896,7 @@
           <a:p>
             <a:fld id="{6B098587-3B79-4B4D-A1E8-D0109A04B125}" type="datetimeFigureOut">
               <a:rPr lang="en-GB" smtClean="0"/>
-              <a:t>01/01/2024</a:t>
+              <a:t>02/01/2024</a:t>
             </a:fld>
             <a:endParaRPr lang="en-GB"/>
           </a:p>
@@ -1166,7 +1171,7 @@
           <a:p>
             <a:fld id="{6B098587-3B79-4B4D-A1E8-D0109A04B125}" type="datetimeFigureOut">
               <a:rPr lang="en-GB" smtClean="0"/>
-              <a:t>01/01/2024</a:t>
+              <a:t>02/01/2024</a:t>
             </a:fld>
             <a:endParaRPr lang="en-GB"/>
           </a:p>
@@ -1431,7 +1436,7 @@
           <a:p>
             <a:fld id="{6B098587-3B79-4B4D-A1E8-D0109A04B125}" type="datetimeFigureOut">
               <a:rPr lang="en-GB" smtClean="0"/>
-              <a:t>01/01/2024</a:t>
+              <a:t>02/01/2024</a:t>
             </a:fld>
             <a:endParaRPr lang="en-GB"/>
           </a:p>
@@ -1843,7 +1848,7 @@
           <a:p>
             <a:fld id="{6B098587-3B79-4B4D-A1E8-D0109A04B125}" type="datetimeFigureOut">
               <a:rPr lang="en-GB" smtClean="0"/>
-              <a:t>01/01/2024</a:t>
+              <a:t>02/01/2024</a:t>
             </a:fld>
             <a:endParaRPr lang="en-GB"/>
           </a:p>
@@ -1984,7 +1989,7 @@
           <a:p>
             <a:fld id="{6B098587-3B79-4B4D-A1E8-D0109A04B125}" type="datetimeFigureOut">
               <a:rPr lang="en-GB" smtClean="0"/>
-              <a:t>01/01/2024</a:t>
+              <a:t>02/01/2024</a:t>
             </a:fld>
             <a:endParaRPr lang="en-GB"/>
           </a:p>
@@ -2097,7 +2102,7 @@
           <a:p>
             <a:fld id="{6B098587-3B79-4B4D-A1E8-D0109A04B125}" type="datetimeFigureOut">
               <a:rPr lang="en-GB" smtClean="0"/>
-              <a:t>01/01/2024</a:t>
+              <a:t>02/01/2024</a:t>
             </a:fld>
             <a:endParaRPr lang="en-GB"/>
           </a:p>
@@ -2408,7 +2413,7 @@
           <a:p>
             <a:fld id="{6B098587-3B79-4B4D-A1E8-D0109A04B125}" type="datetimeFigureOut">
               <a:rPr lang="en-GB" smtClean="0"/>
-              <a:t>01/01/2024</a:t>
+              <a:t>02/01/2024</a:t>
             </a:fld>
             <a:endParaRPr lang="en-GB"/>
           </a:p>
@@ -2696,7 +2701,7 @@
           <a:p>
             <a:fld id="{6B098587-3B79-4B4D-A1E8-D0109A04B125}" type="datetimeFigureOut">
               <a:rPr lang="en-GB" smtClean="0"/>
-              <a:t>01/01/2024</a:t>
+              <a:t>02/01/2024</a:t>
             </a:fld>
             <a:endParaRPr lang="en-GB"/>
           </a:p>
@@ -2940,7 +2945,7 @@
           <a:p>
             <a:fld id="{6B098587-3B79-4B4D-A1E8-D0109A04B125}" type="datetimeFigureOut">
               <a:rPr lang="en-GB" smtClean="0"/>
-              <a:t>01/01/2024</a:t>
+              <a:t>02/01/2024</a:t>
             </a:fld>
             <a:endParaRPr lang="en-GB"/>
           </a:p>
@@ -3384,13 +3389,13 @@
                   <a:schemeClr val="bg1"/>
                 </a:solidFill>
               </a:rPr>
-              <a:t>Exercise 13</a:t>
-            </a:r>
-          </a:p>
-        </p:txBody>
-      </p:sp>
-      <mc:AlternateContent xmlns:mc="http://schemas.openxmlformats.org/markup-compatibility/2006">
-        <mc:Choice xmlns:a14="http://schemas.microsoft.com/office/drawing/2010/main" Requires="a14">
+              <a:t>Exercise E13</a:t>
+            </a:r>
+          </a:p>
+        </p:txBody>
+      </p:sp>
+      <mc:AlternateContent xmlns:mc="http://schemas.openxmlformats.org/markup-compatibility/2006" xmlns:a14="http://schemas.microsoft.com/office/drawing/2010/main">
+        <mc:Choice Requires="a14">
           <p:sp>
             <p:nvSpPr>
               <p:cNvPr id="3" name="Content Placeholder 2">
@@ -4368,7 +4373,7 @@
             </p:txBody>
           </p:sp>
         </mc:Choice>
-        <mc:Fallback>
+        <mc:Fallback xmlns="">
           <p:sp>
             <p:nvSpPr>
               <p:cNvPr id="3" name="Content Placeholder 2">
@@ -4465,13 +4470,13 @@
                   <a:schemeClr val="bg1"/>
                 </a:solidFill>
               </a:rPr>
-              <a:t>Exercise 13</a:t>
-            </a:r>
-          </a:p>
-        </p:txBody>
-      </p:sp>
-      <mc:AlternateContent xmlns:mc="http://schemas.openxmlformats.org/markup-compatibility/2006">
-        <mc:Choice xmlns:a14="http://schemas.microsoft.com/office/drawing/2010/main" Requires="a14">
+              <a:t>Exercise E13</a:t>
+            </a:r>
+          </a:p>
+        </p:txBody>
+      </p:sp>
+      <mc:AlternateContent xmlns:mc="http://schemas.openxmlformats.org/markup-compatibility/2006" xmlns:a14="http://schemas.microsoft.com/office/drawing/2010/main">
+        <mc:Choice Requires="a14">
           <p:sp>
             <p:nvSpPr>
               <p:cNvPr id="3" name="Content Placeholder 2">
@@ -4955,7 +4960,7 @@
             </p:txBody>
           </p:sp>
         </mc:Choice>
-        <mc:Fallback>
+        <mc:Fallback xmlns="">
           <p:sp>
             <p:nvSpPr>
               <p:cNvPr id="3" name="Content Placeholder 2">
@@ -5052,7 +5057,7 @@
                   <a:schemeClr val="bg1"/>
                 </a:solidFill>
               </a:rPr>
-              <a:t>Exercise 13</a:t>
+              <a:t>Exercise E13</a:t>
             </a:r>
           </a:p>
         </p:txBody>
@@ -5149,13 +5154,13 @@
                   <a:schemeClr val="bg1"/>
                 </a:solidFill>
               </a:rPr>
-              <a:t>Exercise 13</a:t>
-            </a:r>
-          </a:p>
-        </p:txBody>
-      </p:sp>
-      <mc:AlternateContent xmlns:mc="http://schemas.openxmlformats.org/markup-compatibility/2006">
-        <mc:Choice xmlns:a14="http://schemas.microsoft.com/office/drawing/2010/main" Requires="a14">
+              <a:t>Exercise E13</a:t>
+            </a:r>
+          </a:p>
+        </p:txBody>
+      </p:sp>
+      <mc:AlternateContent xmlns:mc="http://schemas.openxmlformats.org/markup-compatibility/2006" xmlns:a14="http://schemas.microsoft.com/office/drawing/2010/main">
+        <mc:Choice Requires="a14">
           <p:sp>
             <p:nvSpPr>
               <p:cNvPr id="3" name="Content Placeholder 2">
@@ -5317,7 +5322,7 @@
             </p:txBody>
           </p:sp>
         </mc:Choice>
-        <mc:Fallback>
+        <mc:Fallback xmlns="">
           <p:sp>
             <p:nvSpPr>
               <p:cNvPr id="3" name="Content Placeholder 2">
@@ -5414,7 +5419,7 @@
                   <a:schemeClr val="bg1"/>
                 </a:solidFill>
               </a:rPr>
-              <a:t>Exercise 13: Revision Acceptable</a:t>
+              <a:t>Exercise E13: Revision Acceptable</a:t>
             </a:r>
           </a:p>
         </p:txBody>
@@ -5546,8 +5551,8 @@
           </a:fontRef>
         </p:style>
       </p:cxnSp>
-      <mc:AlternateContent xmlns:mc="http://schemas.openxmlformats.org/markup-compatibility/2006">
-        <mc:Choice xmlns:p14="http://schemas.microsoft.com/office/powerpoint/2010/main" Requires="p14">
+      <mc:AlternateContent xmlns:mc="http://schemas.openxmlformats.org/markup-compatibility/2006" xmlns:p14="http://schemas.microsoft.com/office/powerpoint/2010/main">
+        <mc:Choice Requires="p14">
           <p:contentPart p14:bwMode="auto" r:id="rId3">
             <p14:nvContentPartPr>
               <p14:cNvPr id="10" name="Ink 9">
@@ -5566,7 +5571,7 @@
             </p14:xfrm>
           </p:contentPart>
         </mc:Choice>
-        <mc:Fallback>
+        <mc:Fallback xmlns="">
           <p:pic>
             <p:nvPicPr>
               <p:cNvPr id="10" name="Ink 9">
@@ -5687,13 +5692,18 @@
           <a:lstStyle/>
           <a:p>
             <a:r>
-              <a:rPr lang="en-GB" dirty="0">
+              <a:rPr lang="en-GB">
                 <a:solidFill>
                   <a:schemeClr val="bg1"/>
                 </a:solidFill>
               </a:rPr>
-              <a:t>Exercise 13</a:t>
-            </a:r>
+              <a:t>Exercise E13</a:t>
+            </a:r>
+            <a:endParaRPr lang="en-GB" dirty="0">
+              <a:solidFill>
+                <a:schemeClr val="bg1"/>
+              </a:solidFill>
+            </a:endParaRPr>
           </a:p>
         </p:txBody>
       </p:sp>
